--- a/CSS Grid/New Microsoft PowerPoint Presentation.pptx
+++ b/CSS Grid/New Microsoft PowerPoint Presentation.pptx
@@ -111,6 +111,11 @@
       </a:defRPr>
     </a:lvl9pPr>
   </p:defaultTextStyle>
+  <p:extLst>
+    <p:ext uri="{EFAFB233-063F-42B5-8137-9DF3F51BA10A}">
+      <p15:sldGuideLst xmlns:p15="http://schemas.microsoft.com/office/powerpoint/2012/main"/>
+    </p:ext>
+  </p:extLst>
 </p:presentation>
 </file>
 
@@ -245,7 +250,7 @@
           <a:p>
             <a:fld id="{5C69A0EA-D155-4100-A676-E1ABA8E07D77}" type="datetimeFigureOut">
               <a:rPr lang="en-US" smtClean="0"/>
-              <a:t>7/20/2025</a:t>
+              <a:t>8/4/2025</a:t>
             </a:fld>
             <a:endParaRPr lang="en-US"/>
           </a:p>
@@ -415,7 +420,7 @@
           <a:p>
             <a:fld id="{5C69A0EA-D155-4100-A676-E1ABA8E07D77}" type="datetimeFigureOut">
               <a:rPr lang="en-US" smtClean="0"/>
-              <a:t>7/20/2025</a:t>
+              <a:t>8/4/2025</a:t>
             </a:fld>
             <a:endParaRPr lang="en-US"/>
           </a:p>
@@ -595,7 +600,7 @@
           <a:p>
             <a:fld id="{5C69A0EA-D155-4100-A676-E1ABA8E07D77}" type="datetimeFigureOut">
               <a:rPr lang="en-US" smtClean="0"/>
-              <a:t>7/20/2025</a:t>
+              <a:t>8/4/2025</a:t>
             </a:fld>
             <a:endParaRPr lang="en-US"/>
           </a:p>
@@ -765,7 +770,7 @@
           <a:p>
             <a:fld id="{5C69A0EA-D155-4100-A676-E1ABA8E07D77}" type="datetimeFigureOut">
               <a:rPr lang="en-US" smtClean="0"/>
-              <a:t>7/20/2025</a:t>
+              <a:t>8/4/2025</a:t>
             </a:fld>
             <a:endParaRPr lang="en-US"/>
           </a:p>
@@ -1011,7 +1016,7 @@
           <a:p>
             <a:fld id="{5C69A0EA-D155-4100-A676-E1ABA8E07D77}" type="datetimeFigureOut">
               <a:rPr lang="en-US" smtClean="0"/>
-              <a:t>7/20/2025</a:t>
+              <a:t>8/4/2025</a:t>
             </a:fld>
             <a:endParaRPr lang="en-US"/>
           </a:p>
@@ -1243,7 +1248,7 @@
           <a:p>
             <a:fld id="{5C69A0EA-D155-4100-A676-E1ABA8E07D77}" type="datetimeFigureOut">
               <a:rPr lang="en-US" smtClean="0"/>
-              <a:t>7/20/2025</a:t>
+              <a:t>8/4/2025</a:t>
             </a:fld>
             <a:endParaRPr lang="en-US"/>
           </a:p>
@@ -1610,7 +1615,7 @@
           <a:p>
             <a:fld id="{5C69A0EA-D155-4100-A676-E1ABA8E07D77}" type="datetimeFigureOut">
               <a:rPr lang="en-US" smtClean="0"/>
-              <a:t>7/20/2025</a:t>
+              <a:t>8/4/2025</a:t>
             </a:fld>
             <a:endParaRPr lang="en-US"/>
           </a:p>
@@ -1728,7 +1733,7 @@
           <a:p>
             <a:fld id="{5C69A0EA-D155-4100-A676-E1ABA8E07D77}" type="datetimeFigureOut">
               <a:rPr lang="en-US" smtClean="0"/>
-              <a:t>7/20/2025</a:t>
+              <a:t>8/4/2025</a:t>
             </a:fld>
             <a:endParaRPr lang="en-US"/>
           </a:p>
@@ -1823,7 +1828,7 @@
           <a:p>
             <a:fld id="{5C69A0EA-D155-4100-A676-E1ABA8E07D77}" type="datetimeFigureOut">
               <a:rPr lang="en-US" smtClean="0"/>
-              <a:t>7/20/2025</a:t>
+              <a:t>8/4/2025</a:t>
             </a:fld>
             <a:endParaRPr lang="en-US"/>
           </a:p>
@@ -2100,7 +2105,7 @@
           <a:p>
             <a:fld id="{5C69A0EA-D155-4100-A676-E1ABA8E07D77}" type="datetimeFigureOut">
               <a:rPr lang="en-US" smtClean="0"/>
-              <a:t>7/20/2025</a:t>
+              <a:t>8/4/2025</a:t>
             </a:fld>
             <a:endParaRPr lang="en-US"/>
           </a:p>
@@ -2353,7 +2358,7 @@
           <a:p>
             <a:fld id="{5C69A0EA-D155-4100-A676-E1ABA8E07D77}" type="datetimeFigureOut">
               <a:rPr lang="en-US" smtClean="0"/>
-              <a:t>7/20/2025</a:t>
+              <a:t>8/4/2025</a:t>
             </a:fld>
             <a:endParaRPr lang="en-US"/>
           </a:p>
@@ -2566,7 +2571,7 @@
           <a:p>
             <a:fld id="{5C69A0EA-D155-4100-A676-E1ABA8E07D77}" type="datetimeFigureOut">
               <a:rPr lang="en-US" smtClean="0"/>
-              <a:t>7/20/2025</a:t>
+              <a:t>8/4/2025</a:t>
             </a:fld>
             <a:endParaRPr lang="en-US"/>
           </a:p>
@@ -3391,6 +3396,30 @@
           <a:chExt cx="0" cy="0"/>
         </a:xfrm>
       </p:grpSpPr>
+      <p:pic>
+        <p:nvPicPr>
+          <p:cNvPr id="2" name="Picture 1"/>
+          <p:cNvPicPr>
+            <a:picLocks noChangeAspect="1"/>
+          </p:cNvPicPr>
+          <p:nvPr/>
+        </p:nvPicPr>
+        <p:blipFill>
+          <a:blip r:embed="rId2"/>
+          <a:stretch>
+            <a:fillRect/>
+          </a:stretch>
+        </p:blipFill>
+        <p:spPr>
+          <a:xfrm>
+            <a:off x="295564" y="184727"/>
+            <a:ext cx="11785600" cy="6022109"/>
+          </a:xfrm>
+          <a:prstGeom prst="rect">
+            <a:avLst/>
+          </a:prstGeom>
+        </p:spPr>
+      </p:pic>
     </p:spTree>
     <p:extLst>
       <p:ext uri="{BB962C8B-B14F-4D97-AF65-F5344CB8AC3E}">
